--- a/112-2/MI6006701 研究方法/研究方法期末報告.pptx
+++ b/112-2/MI6006701 研究方法/研究方法期末報告.pptx
@@ -292,7 +292,7 @@
       <p15:sldGuideLst xmlns:p15="http://schemas.microsoft.com/office/powerpoint/2012/main"/>
     </p:ext>
     <p:ext uri="http://customooxmlschemas.google.com/">
-      <go:slidesCustomData xmlns:go="http://customooxmlschemas.google.com/" xmlns:ahyp="http://schemas.microsoft.com/office/drawing/2018/hyperlinkcolor" xmlns:p15="http://schemas.microsoft.com/office/powerpoint/2012/main" xmlns:p14="http://schemas.microsoft.com/office/powerpoint/2010/main" xmlns:com="http://schemas.openxmlformats.org/drawingml/2006/compatibility" xmlns:pvml="urn:schemas-microsoft-com:office:powerpoint" xmlns:v="urn:schemas-microsoft-com:vml" xmlns:o="urn:schemas-microsoft-com:office:office" xmlns:dgm="http://schemas.openxmlformats.org/drawingml/2006/diagram" xmlns:c="http://schemas.openxmlformats.org/drawingml/2006/chart" xmlns:mv="urn:schemas-microsoft-com:mac:vml" xmlns:mc="http://schemas.openxmlformats.org/markup-compatibility/2006" xmlns="" r:id="rId42" roundtripDataSignature="AMtx7mgN36fLpaNo5yJx6uRD3WtXBqbH0w=="/>
+      <go:slidesCustomData xmlns="" xmlns:mc="http://schemas.openxmlformats.org/markup-compatibility/2006" xmlns:mv="urn:schemas-microsoft-com:mac:vml" xmlns:c="http://schemas.openxmlformats.org/drawingml/2006/chart" xmlns:dgm="http://schemas.openxmlformats.org/drawingml/2006/diagram" xmlns:o="urn:schemas-microsoft-com:office:office" xmlns:v="urn:schemas-microsoft-com:vml" xmlns:pvml="urn:schemas-microsoft-com:office:powerpoint" xmlns:com="http://schemas.openxmlformats.org/drawingml/2006/compatibility" xmlns:p14="http://schemas.microsoft.com/office/powerpoint/2010/main" xmlns:p15="http://schemas.microsoft.com/office/powerpoint/2012/main" xmlns:ahyp="http://schemas.microsoft.com/office/drawing/2018/hyperlinkcolor" xmlns:go="http://customooxmlschemas.google.com/" r:id="rId42" roundtripDataSignature="AMtx7mgN36fLpaNo5yJx6uRD3WtXBqbH0w=="/>
     </p:ext>
   </p:extLst>
 </p:presentation>
@@ -22683,7 +22683,51 @@
                 <a:cs typeface="Noto Sans Medium"/>
                 <a:sym typeface="Noto Sans Medium"/>
               </a:rPr>
-              <a:t>金融社群之情緒分析探討台積電股票及台灣加權指數之關係</a:t>
+              <a:t>金融社群情緒</a:t>
+            </a:r>
+            <a:endParaRPr lang="en-US" altLang="zh-TW" sz="4400">
+              <a:solidFill>
+                <a:srgbClr val="FEEFE6"/>
+              </a:solidFill>
+              <a:latin typeface="Noto Sans Medium"/>
+              <a:ea typeface="Noto Sans Medium"/>
+              <a:cs typeface="Noto Sans Medium"/>
+              <a:sym typeface="Noto Sans Medium"/>
+            </a:endParaRPr>
+          </a:p>
+          <a:p>
+            <a:pPr marL="0" marR="0" lvl="0" indent="0" algn="ctr" rtl="0">
+              <a:spcBef>
+                <a:spcPts val="0"/>
+              </a:spcBef>
+              <a:spcAft>
+                <a:spcPts val="0"/>
+              </a:spcAft>
+              <a:buNone/>
+            </a:pPr>
+            <a:r>
+              <a:rPr lang="zh-TW" altLang="en-US" sz="4400">
+                <a:solidFill>
+                  <a:srgbClr val="FEEFE6"/>
+                </a:solidFill>
+                <a:latin typeface="Noto Sans Medium"/>
+                <a:ea typeface="Noto Sans Medium"/>
+                <a:cs typeface="Noto Sans Medium"/>
+                <a:sym typeface="Noto Sans Medium"/>
+              </a:rPr>
+              <a:t>對</a:t>
+            </a:r>
+            <a:r>
+              <a:rPr lang="zh-TW" altLang="en-US" sz="4400" dirty="0">
+                <a:solidFill>
+                  <a:srgbClr val="FEEFE6"/>
+                </a:solidFill>
+                <a:latin typeface="Noto Sans Medium"/>
+                <a:ea typeface="Noto Sans Medium"/>
+                <a:cs typeface="Noto Sans Medium"/>
+                <a:sym typeface="Noto Sans Medium"/>
+              </a:rPr>
+              <a:t>投資人行為影響之分析</a:t>
             </a:r>
             <a:endParaRPr lang="zh-TW" altLang="en-US" sz="4400" dirty="0"/>
           </a:p>
